--- a/images/slide-ECTICON.pptx
+++ b/images/slide-ECTICON.pptx
@@ -206,7 +206,7 @@
           <a:p>
             <a:fld id="{B6F2A6DC-E91D-48EB-AE19-04291AAF1E55}" type="datetimeFigureOut">
               <a:rPr lang="en-US" smtClean="0"/>
-              <a:t>4/11/2025</a:t>
+              <a:t>5/12/2025</a:t>
             </a:fld>
             <a:endParaRPr lang="en-US"/>
           </a:p>
@@ -518,8 +518,792 @@
           <a:lstStyle/>
           <a:p>
             <a:r>
-              <a:rPr lang="en-US" dirty="0"/>
-              <a:t>Compression is the wide technique that use for multiple media application. With the increasing demand for storing im- ages, traditional image compression methods face challenges in balancing the compressed size and image quality. However, the hybrid quantum-classical model can recover this weakness by using the advantage of qubits. In this study, we upgrade a quantum image compression algorithm within parameterized quantum circuits. Our approach encodes image data as unitary operator parameters and applies the quantum compilation algorithm to emulate the encryption process. By utilizing first-order Taylor expansion, we significantly reduce both the computational cost and loss, better than the previous version. Experi- mental results on benchmark images, including Lenna and Cameraman, show that our method achieves up to 86% reduction in the number of iterations while maintaining a lower compression loss, better for high-resolution images. The results confirm that the proposed algorithm provides an efficient and scalable image compression mechanism, making it a promising candidate for future image processing applications.</a:t>
+              <a:rPr lang="en-US" dirty="0" err="1"/>
+              <a:t>Ứng</a:t>
+            </a:r>
+            <a:r>
+              <a:rPr lang="en-US" dirty="0"/>
+              <a:t> </a:t>
+            </a:r>
+            <a:r>
+              <a:rPr lang="en-US" dirty="0" err="1"/>
+              <a:t>dụng</a:t>
+            </a:r>
+            <a:r>
+              <a:rPr lang="en-US" dirty="0"/>
+              <a:t>: </a:t>
+            </a:r>
+            <a:r>
+              <a:rPr lang="en-US" dirty="0" err="1"/>
+              <a:t>nén</a:t>
+            </a:r>
+            <a:r>
+              <a:rPr lang="en-US" dirty="0"/>
+              <a:t> </a:t>
+            </a:r>
+            <a:r>
+              <a:rPr lang="en-US" dirty="0" err="1"/>
+              <a:t>ảnh</a:t>
+            </a:r>
+            <a:r>
+              <a:rPr lang="en-US" dirty="0"/>
+              <a:t> </a:t>
+            </a:r>
+            <a:r>
+              <a:rPr lang="en-US" dirty="0" err="1"/>
+              <a:t>có</a:t>
+            </a:r>
+            <a:r>
+              <a:rPr lang="en-US" dirty="0"/>
+              <a:t> </a:t>
+            </a:r>
+            <a:r>
+              <a:rPr lang="en-US" dirty="0" err="1"/>
+              <a:t>mất</a:t>
+            </a:r>
+            <a:r>
+              <a:rPr lang="en-US" dirty="0"/>
+              <a:t> </a:t>
+            </a:r>
+            <a:r>
+              <a:rPr lang="en-US" dirty="0" err="1"/>
+              <a:t>mát</a:t>
+            </a:r>
+            <a:endParaRPr lang="en-US" dirty="0"/>
+          </a:p>
+          <a:p>
+            <a:r>
+              <a:rPr lang="en-US" dirty="0" err="1"/>
+              <a:t>Khác</a:t>
+            </a:r>
+            <a:r>
+              <a:rPr lang="en-US" dirty="0"/>
+              <a:t> </a:t>
+            </a:r>
+            <a:r>
+              <a:rPr lang="en-US" dirty="0" err="1"/>
+              <a:t>biệt</a:t>
+            </a:r>
+            <a:r>
+              <a:rPr lang="en-US" dirty="0"/>
+              <a:t> so </a:t>
+            </a:r>
+            <a:r>
+              <a:rPr lang="en-US" dirty="0" err="1"/>
+              <a:t>với</a:t>
+            </a:r>
+            <a:r>
+              <a:rPr lang="en-US" dirty="0"/>
+              <a:t> </a:t>
+            </a:r>
+            <a:r>
+              <a:rPr lang="en-US" dirty="0" err="1"/>
+              <a:t>cổ</a:t>
+            </a:r>
+            <a:r>
+              <a:rPr lang="en-US" dirty="0"/>
+              <a:t> </a:t>
+            </a:r>
+            <a:r>
+              <a:rPr lang="en-US" dirty="0" err="1"/>
+              <a:t>điển</a:t>
+            </a:r>
+            <a:r>
+              <a:rPr lang="en-US" dirty="0"/>
+              <a:t> </a:t>
+            </a:r>
+            <a:r>
+              <a:rPr lang="en-US" dirty="0" err="1"/>
+              <a:t>như</a:t>
+            </a:r>
+            <a:r>
+              <a:rPr lang="en-US" dirty="0"/>
+              <a:t> JPEG: JPEG </a:t>
+            </a:r>
+            <a:r>
+              <a:rPr lang="en-US" dirty="0" err="1"/>
+              <a:t>có</a:t>
+            </a:r>
+            <a:r>
+              <a:rPr lang="en-US" dirty="0"/>
+              <a:t> </a:t>
+            </a:r>
+            <a:r>
+              <a:rPr lang="en-US" dirty="0" err="1"/>
+              <a:t>tỉ</a:t>
+            </a:r>
+            <a:r>
+              <a:rPr lang="en-US" dirty="0"/>
+              <a:t> </a:t>
+            </a:r>
+            <a:r>
+              <a:rPr lang="en-US" dirty="0" err="1"/>
+              <a:t>suất</a:t>
+            </a:r>
+            <a:r>
+              <a:rPr lang="en-US" dirty="0"/>
+              <a:t> </a:t>
+            </a:r>
+            <a:r>
+              <a:rPr lang="en-US" dirty="0" err="1"/>
+              <a:t>nén</a:t>
+            </a:r>
+            <a:r>
+              <a:rPr lang="en-US" dirty="0"/>
+              <a:t> </a:t>
+            </a:r>
+            <a:r>
+              <a:rPr lang="en-US" dirty="0" err="1"/>
+              <a:t>cổ</a:t>
+            </a:r>
+            <a:r>
+              <a:rPr lang="en-US" dirty="0"/>
+              <a:t> </a:t>
+            </a:r>
+            <a:r>
+              <a:rPr lang="en-US" dirty="0" err="1"/>
+              <a:t>định</a:t>
+            </a:r>
+            <a:r>
+              <a:rPr lang="en-US" dirty="0"/>
+              <a:t>, quantum </a:t>
+            </a:r>
+            <a:r>
+              <a:rPr lang="en-US" dirty="0" err="1"/>
+              <a:t>có</a:t>
+            </a:r>
+            <a:r>
+              <a:rPr lang="en-US" dirty="0"/>
+              <a:t> </a:t>
+            </a:r>
+            <a:r>
+              <a:rPr lang="en-US" dirty="0" err="1"/>
+              <a:t>tỉ</a:t>
+            </a:r>
+            <a:r>
+              <a:rPr lang="en-US" dirty="0"/>
+              <a:t> </a:t>
+            </a:r>
+            <a:r>
+              <a:rPr lang="en-US" dirty="0" err="1"/>
+              <a:t>suất</a:t>
+            </a:r>
+            <a:r>
+              <a:rPr lang="en-US" dirty="0"/>
+              <a:t> </a:t>
+            </a:r>
+            <a:r>
+              <a:rPr lang="en-US" dirty="0" err="1"/>
+              <a:t>nén</a:t>
+            </a:r>
+            <a:r>
+              <a:rPr lang="en-US" dirty="0"/>
+              <a:t> </a:t>
+            </a:r>
+            <a:r>
+              <a:rPr lang="en-US" dirty="0" err="1"/>
+              <a:t>dựa</a:t>
+            </a:r>
+            <a:r>
+              <a:rPr lang="en-US" dirty="0"/>
+              <a:t> </a:t>
+            </a:r>
+            <a:r>
+              <a:rPr lang="en-US" dirty="0" err="1"/>
+              <a:t>vào</a:t>
+            </a:r>
+            <a:r>
+              <a:rPr lang="en-US" dirty="0"/>
+              <a:t> </a:t>
+            </a:r>
+            <a:r>
+              <a:rPr lang="en-US" dirty="0" err="1"/>
+              <a:t>tham</a:t>
+            </a:r>
+            <a:r>
+              <a:rPr lang="en-US" dirty="0"/>
+              <a:t> </a:t>
+            </a:r>
+            <a:r>
+              <a:rPr lang="en-US" dirty="0" err="1"/>
+              <a:t>số</a:t>
+            </a:r>
+            <a:r>
+              <a:rPr lang="en-US" dirty="0"/>
+              <a:t> k</a:t>
+            </a:r>
+          </a:p>
+          <a:p>
+            <a:r>
+              <a:rPr lang="en-US" dirty="0" err="1"/>
+              <a:t>Chạy</a:t>
+            </a:r>
+            <a:r>
+              <a:rPr lang="en-US" dirty="0"/>
+              <a:t> </a:t>
+            </a:r>
+            <a:r>
+              <a:rPr lang="en-US" dirty="0" err="1"/>
+              <a:t>được</a:t>
+            </a:r>
+            <a:r>
+              <a:rPr lang="en-US" dirty="0"/>
+              <a:t> ko: </a:t>
+            </a:r>
+            <a:r>
+              <a:rPr lang="en-US" dirty="0" err="1"/>
+              <a:t>mô</a:t>
+            </a:r>
+            <a:r>
+              <a:rPr lang="en-US" dirty="0"/>
+              <a:t> </a:t>
+            </a:r>
+            <a:r>
+              <a:rPr lang="en-US" dirty="0" err="1"/>
+              <a:t>phỏng</a:t>
+            </a:r>
+            <a:r>
+              <a:rPr lang="en-US" dirty="0"/>
+              <a:t> cx </a:t>
+            </a:r>
+            <a:r>
+              <a:rPr lang="en-US" dirty="0" err="1"/>
+              <a:t>được</a:t>
+            </a:r>
+            <a:r>
+              <a:rPr lang="en-US" dirty="0"/>
+              <a:t> </a:t>
+            </a:r>
+            <a:r>
+              <a:rPr lang="en-US" dirty="0" err="1"/>
+              <a:t>nhưng</a:t>
+            </a:r>
+            <a:r>
+              <a:rPr lang="en-US" dirty="0"/>
+              <a:t> </a:t>
+            </a:r>
+            <a:r>
+              <a:rPr lang="en-US" dirty="0" err="1"/>
+              <a:t>lâu</a:t>
+            </a:r>
+            <a:r>
+              <a:rPr lang="en-US" dirty="0"/>
+              <a:t> (k </a:t>
+            </a:r>
+            <a:r>
+              <a:rPr lang="en-US" dirty="0" err="1"/>
+              <a:t>càng</a:t>
+            </a:r>
+            <a:r>
+              <a:rPr lang="en-US" dirty="0"/>
+              <a:t> </a:t>
+            </a:r>
+            <a:r>
+              <a:rPr lang="en-US" dirty="0" err="1"/>
+              <a:t>lớn</a:t>
+            </a:r>
+            <a:r>
+              <a:rPr lang="en-US" dirty="0"/>
+              <a:t> </a:t>
+            </a:r>
+            <a:r>
+              <a:rPr lang="en-US" dirty="0" err="1"/>
+              <a:t>thì</a:t>
+            </a:r>
+            <a:r>
+              <a:rPr lang="en-US" dirty="0"/>
+              <a:t> </a:t>
+            </a:r>
+            <a:r>
+              <a:rPr lang="en-US" dirty="0" err="1"/>
+              <a:t>chạy</a:t>
+            </a:r>
+            <a:r>
+              <a:rPr lang="en-US" dirty="0"/>
+              <a:t> </a:t>
+            </a:r>
+            <a:r>
+              <a:rPr lang="en-US" dirty="0" err="1"/>
+              <a:t>càng</a:t>
+            </a:r>
+            <a:r>
+              <a:rPr lang="en-US" dirty="0"/>
+              <a:t> </a:t>
+            </a:r>
+            <a:r>
+              <a:rPr lang="en-US" dirty="0" err="1"/>
+              <a:t>lâu</a:t>
+            </a:r>
+            <a:r>
+              <a:rPr lang="en-US" dirty="0"/>
+              <a:t>), </a:t>
+            </a:r>
+            <a:r>
+              <a:rPr lang="en-US" dirty="0" err="1"/>
+              <a:t>có</a:t>
+            </a:r>
+            <a:r>
+              <a:rPr lang="en-US" dirty="0"/>
+              <a:t> </a:t>
+            </a:r>
+            <a:r>
+              <a:rPr lang="en-US" dirty="0" err="1"/>
+              <a:t>máy</a:t>
+            </a:r>
+            <a:r>
+              <a:rPr lang="en-US" dirty="0"/>
+              <a:t> </a:t>
+            </a:r>
+            <a:r>
+              <a:rPr lang="en-US" dirty="0" err="1"/>
+              <a:t>thiệt</a:t>
+            </a:r>
+            <a:r>
+              <a:rPr lang="en-US" dirty="0"/>
+              <a:t> </a:t>
+            </a:r>
+            <a:r>
+              <a:rPr lang="en-US" dirty="0" err="1"/>
+              <a:t>thì</a:t>
+            </a:r>
+            <a:r>
+              <a:rPr lang="en-US" dirty="0"/>
+              <a:t> </a:t>
+            </a:r>
+            <a:r>
+              <a:rPr lang="en-US" dirty="0" err="1"/>
+              <a:t>chạy</a:t>
+            </a:r>
+            <a:r>
+              <a:rPr lang="en-US" dirty="0"/>
+              <a:t> </a:t>
+            </a:r>
+            <a:r>
+              <a:rPr lang="en-US" dirty="0" err="1"/>
+              <a:t>nhanh</a:t>
+            </a:r>
+            <a:r>
+              <a:rPr lang="en-US" dirty="0"/>
+              <a:t> </a:t>
+            </a:r>
+            <a:r>
+              <a:rPr lang="en-US" dirty="0" err="1"/>
+              <a:t>hơn</a:t>
+            </a:r>
+            <a:endParaRPr lang="en-US" dirty="0"/>
+          </a:p>
+          <a:p>
+            <a:r>
+              <a:rPr lang="en-US" dirty="0" err="1"/>
+              <a:t>Kết</a:t>
+            </a:r>
+            <a:r>
+              <a:rPr lang="en-US" dirty="0"/>
+              <a:t> </a:t>
+            </a:r>
+            <a:r>
+              <a:rPr lang="en-US" dirty="0" err="1"/>
+              <a:t>quả</a:t>
+            </a:r>
+            <a:r>
+              <a:rPr lang="en-US" dirty="0"/>
+              <a:t> </a:t>
+            </a:r>
+            <a:r>
+              <a:rPr lang="en-US" dirty="0" err="1"/>
+              <a:t>mất</a:t>
+            </a:r>
+            <a:r>
+              <a:rPr lang="en-US" dirty="0"/>
+              <a:t> </a:t>
+            </a:r>
+            <a:r>
+              <a:rPr lang="en-US" dirty="0" err="1"/>
+              <a:t>mát</a:t>
+            </a:r>
+            <a:r>
+              <a:rPr lang="en-US" dirty="0"/>
+              <a:t> </a:t>
+            </a:r>
+            <a:r>
+              <a:rPr lang="en-US" dirty="0" err="1"/>
+              <a:t>như</a:t>
+            </a:r>
+            <a:r>
+              <a:rPr lang="en-US" dirty="0"/>
+              <a:t> </a:t>
+            </a:r>
+            <a:r>
+              <a:rPr lang="en-US" dirty="0" err="1"/>
+              <a:t>thế</a:t>
+            </a:r>
+            <a:r>
+              <a:rPr lang="en-US" dirty="0"/>
+              <a:t> </a:t>
+            </a:r>
+            <a:r>
+              <a:rPr lang="en-US" dirty="0" err="1"/>
+              <a:t>nào</a:t>
+            </a:r>
+            <a:r>
+              <a:rPr lang="en-US" dirty="0"/>
+              <a:t>: </a:t>
+            </a:r>
+            <a:r>
+              <a:rPr lang="en-US" dirty="0" err="1"/>
+              <a:t>như</a:t>
+            </a:r>
+            <a:r>
+              <a:rPr lang="en-US" dirty="0"/>
+              <a:t> slide experiments,</a:t>
+            </a:r>
+          </a:p>
+          <a:p>
+            <a:r>
+              <a:rPr lang="en-US" dirty="0"/>
+              <a:t>PP </a:t>
+            </a:r>
+            <a:r>
+              <a:rPr lang="en-US" dirty="0" err="1"/>
+              <a:t>này</a:t>
+            </a:r>
+            <a:r>
+              <a:rPr lang="en-US" dirty="0"/>
+              <a:t> </a:t>
+            </a:r>
+            <a:r>
+              <a:rPr lang="en-US" dirty="0" err="1"/>
+              <a:t>có</a:t>
+            </a:r>
+            <a:r>
+              <a:rPr lang="en-US" dirty="0"/>
+              <a:t> </a:t>
+            </a:r>
+            <a:r>
+              <a:rPr lang="en-US" dirty="0" err="1"/>
+              <a:t>gì</a:t>
+            </a:r>
+            <a:r>
+              <a:rPr lang="en-US" dirty="0"/>
+              <a:t> </a:t>
+            </a:r>
+            <a:r>
+              <a:rPr lang="en-US" dirty="0" err="1"/>
+              <a:t>mới</a:t>
+            </a:r>
+            <a:r>
+              <a:rPr lang="en-US" dirty="0"/>
+              <a:t>: </a:t>
+            </a:r>
+            <a:r>
+              <a:rPr lang="en-US" dirty="0" err="1"/>
+              <a:t>khi</a:t>
+            </a:r>
+            <a:r>
+              <a:rPr lang="en-US" dirty="0"/>
+              <a:t> chia </a:t>
+            </a:r>
+            <a:r>
+              <a:rPr lang="en-US" dirty="0" err="1"/>
+              <a:t>ảnh</a:t>
+            </a:r>
+            <a:r>
+              <a:rPr lang="en-US" dirty="0"/>
+              <a:t> </a:t>
+            </a:r>
+            <a:r>
+              <a:rPr lang="en-US" dirty="0" err="1"/>
+              <a:t>thành</a:t>
+            </a:r>
+            <a:r>
+              <a:rPr lang="en-US" dirty="0"/>
+              <a:t> </a:t>
+            </a:r>
+            <a:r>
+              <a:rPr lang="en-US" dirty="0" err="1"/>
+              <a:t>các</a:t>
+            </a:r>
+            <a:r>
+              <a:rPr lang="en-US" dirty="0"/>
+              <a:t> block </a:t>
+            </a:r>
+            <a:r>
+              <a:rPr lang="en-US" dirty="0" err="1"/>
+              <a:t>để</a:t>
+            </a:r>
+            <a:r>
+              <a:rPr lang="en-US" dirty="0"/>
+              <a:t> </a:t>
+            </a:r>
+            <a:r>
+              <a:rPr lang="en-US" dirty="0" err="1"/>
+              <a:t>nén</a:t>
+            </a:r>
+            <a:r>
+              <a:rPr lang="en-US" dirty="0"/>
+              <a:t> </a:t>
+            </a:r>
+            <a:r>
+              <a:rPr lang="en-US" dirty="0" err="1"/>
+              <a:t>từng</a:t>
+            </a:r>
+            <a:r>
+              <a:rPr lang="en-US" dirty="0"/>
+              <a:t> block, </a:t>
+            </a:r>
+            <a:r>
+              <a:rPr lang="en-US" dirty="0" err="1"/>
+              <a:t>các</a:t>
+            </a:r>
+            <a:r>
+              <a:rPr lang="en-US" dirty="0"/>
+              <a:t> block </a:t>
+            </a:r>
+            <a:r>
+              <a:rPr lang="en-US" dirty="0" err="1"/>
+              <a:t>gần</a:t>
+            </a:r>
+            <a:r>
+              <a:rPr lang="en-US" dirty="0"/>
+              <a:t> </a:t>
+            </a:r>
+            <a:r>
+              <a:rPr lang="en-US" dirty="0" err="1"/>
+              <a:t>nhau</a:t>
+            </a:r>
+            <a:r>
+              <a:rPr lang="en-US" dirty="0"/>
+              <a:t> </a:t>
+            </a:r>
+            <a:r>
+              <a:rPr lang="en-US" dirty="0" err="1"/>
+              <a:t>có</a:t>
+            </a:r>
+            <a:r>
+              <a:rPr lang="en-US" dirty="0"/>
+              <a:t> </a:t>
+            </a:r>
+            <a:r>
+              <a:rPr lang="en-US" dirty="0" err="1"/>
+              <a:t>thể</a:t>
+            </a:r>
+            <a:r>
+              <a:rPr lang="en-US" dirty="0"/>
+              <a:t> </a:t>
+            </a:r>
+            <a:r>
+              <a:rPr lang="en-US" dirty="0" err="1"/>
+              <a:t>giống</a:t>
+            </a:r>
+            <a:r>
+              <a:rPr lang="en-US" dirty="0"/>
+              <a:t> </a:t>
+            </a:r>
+            <a:r>
+              <a:rPr lang="en-US" dirty="0" err="1"/>
+              <a:t>nhau</a:t>
+            </a:r>
+            <a:r>
+              <a:rPr lang="en-US" dirty="0"/>
+              <a:t>, do </a:t>
+            </a:r>
+            <a:r>
+              <a:rPr lang="en-US" dirty="0" err="1"/>
+              <a:t>đó</a:t>
+            </a:r>
+            <a:r>
+              <a:rPr lang="en-US" dirty="0"/>
+              <a:t> </a:t>
+            </a:r>
+            <a:r>
+              <a:rPr lang="en-US" dirty="0" err="1"/>
+              <a:t>có</a:t>
+            </a:r>
+            <a:r>
+              <a:rPr lang="en-US" dirty="0"/>
+              <a:t> </a:t>
+            </a:r>
+            <a:r>
+              <a:rPr lang="en-US" dirty="0" err="1"/>
+              <a:t>thể</a:t>
+            </a:r>
+            <a:r>
+              <a:rPr lang="en-US" dirty="0"/>
+              <a:t> </a:t>
+            </a:r>
+            <a:r>
+              <a:rPr lang="en-US" dirty="0" err="1"/>
+              <a:t>giảm</a:t>
+            </a:r>
+            <a:r>
+              <a:rPr lang="en-US" dirty="0"/>
+              <a:t> </a:t>
+            </a:r>
+            <a:r>
+              <a:rPr lang="en-US" dirty="0" err="1"/>
+              <a:t>bớt</a:t>
+            </a:r>
+            <a:r>
+              <a:rPr lang="en-US" dirty="0"/>
+              <a:t> </a:t>
+            </a:r>
+            <a:r>
+              <a:rPr lang="en-US" dirty="0" err="1"/>
+              <a:t>thời</a:t>
+            </a:r>
+            <a:r>
+              <a:rPr lang="en-US" dirty="0"/>
+              <a:t> </a:t>
+            </a:r>
+            <a:r>
+              <a:rPr lang="en-US" dirty="0" err="1"/>
+              <a:t>gian</a:t>
+            </a:r>
+            <a:r>
+              <a:rPr lang="en-US" dirty="0"/>
+              <a:t> </a:t>
+            </a:r>
+            <a:r>
+              <a:rPr lang="en-US" dirty="0" err="1"/>
+              <a:t>chạy</a:t>
+            </a:r>
+            <a:r>
+              <a:rPr lang="en-US" dirty="0"/>
+              <a:t> </a:t>
+            </a:r>
+            <a:r>
+              <a:rPr lang="en-US" dirty="0" err="1"/>
+              <a:t>cho</a:t>
+            </a:r>
+            <a:r>
+              <a:rPr lang="en-US" dirty="0"/>
+              <a:t> 1 block </a:t>
+            </a:r>
+            <a:r>
+              <a:rPr lang="en-US" dirty="0" err="1"/>
+              <a:t>đã</a:t>
+            </a:r>
+            <a:r>
+              <a:rPr lang="en-US" dirty="0"/>
+              <a:t> </a:t>
+            </a:r>
+            <a:r>
+              <a:rPr lang="en-US" dirty="0" err="1"/>
+              <a:t>có</a:t>
+            </a:r>
+            <a:r>
+              <a:rPr lang="en-US" dirty="0"/>
+              <a:t> </a:t>
+            </a:r>
+            <a:r>
+              <a:rPr lang="en-US" dirty="0" err="1"/>
+              <a:t>có</a:t>
+            </a:r>
+            <a:r>
+              <a:rPr lang="en-US" dirty="0"/>
+              <a:t> block </a:t>
+            </a:r>
+            <a:r>
+              <a:rPr lang="en-US" dirty="0" err="1"/>
+              <a:t>lân</a:t>
+            </a:r>
+            <a:r>
+              <a:rPr lang="en-US" dirty="0"/>
+              <a:t> </a:t>
+            </a:r>
+            <a:r>
+              <a:rPr lang="en-US" dirty="0" err="1"/>
+              <a:t>cận</a:t>
+            </a:r>
+            <a:r>
+              <a:rPr lang="en-US" dirty="0"/>
+              <a:t> </a:t>
+            </a:r>
+            <a:r>
+              <a:rPr lang="en-US" dirty="0" err="1"/>
+              <a:t>được</a:t>
+            </a:r>
+            <a:r>
+              <a:rPr lang="en-US" dirty="0"/>
+              <a:t> </a:t>
+            </a:r>
+            <a:r>
+              <a:rPr lang="en-US" dirty="0" err="1"/>
+              <a:t>nén</a:t>
+            </a:r>
+            <a:r>
+              <a:rPr lang="en-US" dirty="0"/>
+              <a:t> </a:t>
+            </a:r>
+            <a:r>
+              <a:rPr lang="en-US" dirty="0" err="1"/>
+              <a:t>bằng</a:t>
+            </a:r>
+            <a:r>
+              <a:rPr lang="en-US" dirty="0"/>
+              <a:t> </a:t>
+            </a:r>
+            <a:r>
+              <a:rPr lang="en-US" dirty="0" err="1"/>
+              <a:t>một</a:t>
+            </a:r>
+            <a:r>
+              <a:rPr lang="en-US" dirty="0"/>
+              <a:t> estimator</a:t>
+            </a:r>
+          </a:p>
+          <a:p>
+            <a:r>
+              <a:rPr lang="en-US" dirty="0"/>
+              <a:t>Estimator </a:t>
+            </a:r>
+            <a:r>
+              <a:rPr lang="en-US" dirty="0" err="1"/>
+              <a:t>được</a:t>
+            </a:r>
+            <a:r>
+              <a:rPr lang="en-US" dirty="0"/>
+              <a:t> </a:t>
+            </a:r>
+            <a:r>
+              <a:rPr lang="en-US" dirty="0" err="1"/>
+              <a:t>suy</a:t>
+            </a:r>
+            <a:r>
+              <a:rPr lang="en-US" dirty="0"/>
+              <a:t> </a:t>
+            </a:r>
+            <a:r>
+              <a:rPr lang="en-US" dirty="0" err="1"/>
+              <a:t>ra</a:t>
+            </a:r>
+            <a:r>
+              <a:rPr lang="en-US" dirty="0"/>
+              <a:t> </a:t>
+            </a:r>
+            <a:r>
+              <a:rPr lang="en-US" dirty="0" err="1"/>
+              <a:t>từ</a:t>
+            </a:r>
+            <a:r>
+              <a:rPr lang="en-US" dirty="0"/>
+              <a:t> </a:t>
+            </a:r>
+            <a:r>
+              <a:rPr lang="en-US" dirty="0" err="1"/>
+              <a:t>chuỗi</a:t>
+            </a:r>
+            <a:r>
+              <a:rPr lang="en-US" dirty="0"/>
+              <a:t> TAYLOR </a:t>
+            </a:r>
+            <a:r>
+              <a:rPr lang="en-US" dirty="0" err="1"/>
+              <a:t>bậc</a:t>
+            </a:r>
+            <a:r>
+              <a:rPr lang="en-US" dirty="0"/>
+              <a:t> 1</a:t>
             </a:r>
           </a:p>
         </p:txBody>
@@ -541,7 +1325,7 @@
           <a:p>
             <a:fld id="{E38DE327-A019-4F6D-8761-CEFA99679714}" type="slidenum">
               <a:rPr lang="en-US" smtClean="0"/>
-              <a:t>3</a:t>
+              <a:t>1</a:t>
             </a:fld>
             <a:endParaRPr lang="en-US"/>
           </a:p>
@@ -550,7 +1334,7 @@
     </p:spTree>
     <p:extLst>
       <p:ext uri="{BB962C8B-B14F-4D97-AF65-F5344CB8AC3E}">
-        <p14:creationId xmlns:p14="http://schemas.microsoft.com/office/powerpoint/2010/main" val="14116647"/>
+        <p14:creationId xmlns:p14="http://schemas.microsoft.com/office/powerpoint/2010/main" val="4174507480"/>
       </p:ext>
     </p:extLst>
   </p:cSld>
@@ -606,19 +1390,7 @@
           <a:p>
             <a:r>
               <a:rPr lang="en-US" dirty="0"/>
-              <a:t>An image can be separated blocks, then each block can be vectorize, normalize (such as its norm = 1) into a normalized vector (quantum state)</a:t>
-            </a:r>
-          </a:p>
-          <a:p>
-            <a:r>
-              <a:rPr lang="en-US" dirty="0"/>
-              <a:t>A quantum state then can be prepared by some quantum state preparation algorithm. A n qubit circuit can encode 2^n – dim quantum state.</a:t>
-            </a:r>
-          </a:p>
-          <a:p>
-            <a:r>
-              <a:rPr lang="en-US" dirty="0"/>
-              <a:t>So the compressed image here will be the parameter in the quantum circuit, because the #qubit is logarithm scale based on image size, the size of compressed image also increase logarithmically.</a:t>
+              <a:t>Compression is the wide technique that use for multiple media application. With the increasing demand for storing im- ages, traditional image compression methods face challenges in balancing the compressed size and image quality. However, the hybrid quantum-classical model can recover this weakness by using the advantage of qubits. In this study, we upgrade a quantum image compression algorithm within parameterized quantum circuits. Our approach encodes image data as unitary operator parameters and applies the quantum compilation algorithm to emulate the encryption process. By utilizing first-order Taylor expansion, we significantly reduce both the computational cost and loss, better than the previous version. Experi- mental results on benchmark images, including Lenna and Cameraman, show that our method achieves up to 86% reduction in the number of iterations while maintaining a lower compression loss, better for high-resolution images. The results confirm that the proposed algorithm provides an efficient and scalable image compression mechanism, making it a promising candidate for future image processing applications.</a:t>
             </a:r>
           </a:p>
         </p:txBody>
@@ -640,7 +1412,7 @@
           <a:p>
             <a:fld id="{E38DE327-A019-4F6D-8761-CEFA99679714}" type="slidenum">
               <a:rPr lang="en-US" smtClean="0"/>
-              <a:t>4</a:t>
+              <a:t>3</a:t>
             </a:fld>
             <a:endParaRPr lang="en-US"/>
           </a:p>
@@ -649,7 +1421,7 @@
     </p:spTree>
     <p:extLst>
       <p:ext uri="{BB962C8B-B14F-4D97-AF65-F5344CB8AC3E}">
-        <p14:creationId xmlns:p14="http://schemas.microsoft.com/office/powerpoint/2010/main" val="2649143912"/>
+        <p14:creationId xmlns:p14="http://schemas.microsoft.com/office/powerpoint/2010/main" val="14116647"/>
       </p:ext>
     </p:extLst>
   </p:cSld>
@@ -705,44 +1477,19 @@
           <a:p>
             <a:r>
               <a:rPr lang="en-US" dirty="0"/>
-              <a:t>The compilation can be viewed as an optimization process, we found some optimal parameter theta for satisfy some cost function. The parameters are stored into the phase values of rotation (parameterized) gates.</a:t>
-            </a:r>
-          </a:p>
-          <a:p>
-            <a:r>
-              <a:rPr lang="en-US" dirty="0"/>
-              <a:t>This process </a:t>
-            </a:r>
-            <a:r>
-              <a:rPr lang="en-US" dirty="0" err="1"/>
-              <a:t>repated</a:t>
-            </a:r>
-            <a:r>
-              <a:rPr lang="en-US" dirty="0"/>
-              <a:t> in n iteration, and can be stop early if the loss less the some threshold t.</a:t>
-            </a:r>
-          </a:p>
-          <a:p>
-            <a:endParaRPr lang="en-US" dirty="0"/>
-          </a:p>
-          <a:p>
-            <a:r>
-              <a:rPr lang="en-US" dirty="0"/>
-              <a:t>As the standard quantum optimization algorithm, this scheme is the hybrid one. The cost is measured from circuit, the gradient is calculated based on parameter-shift rule and the updated parameter is taken from classical computer.</a:t>
-            </a:r>
-          </a:p>
-          <a:p>
-            <a:r>
-              <a:rPr lang="en-US" dirty="0"/>
-              <a:t>The ansatz (quantum circuit structure) here can be any formulated ansatz, from layered type (XYZ on slide) to graph, chain, </a:t>
-            </a:r>
-            <a:r>
-              <a:rPr lang="en-US" dirty="0" err="1"/>
-              <a:t>neightbor</a:t>
-            </a:r>
-            <a:r>
-              <a:rPr lang="en-US" dirty="0"/>
-              <a:t>, … anything</a:t>
+              <a:t>An image can be separated blocks, then each block can be vectorize, normalize (such as its norm = 1) into a normalized vector (quantum state)</a:t>
+            </a:r>
+          </a:p>
+          <a:p>
+            <a:r>
+              <a:rPr lang="en-US" dirty="0"/>
+              <a:t>A quantum state then can be prepared by some quantum state preparation algorithm. A n qubit circuit can encode 2^n – dim quantum state.</a:t>
+            </a:r>
+          </a:p>
+          <a:p>
+            <a:r>
+              <a:rPr lang="en-US" dirty="0"/>
+              <a:t>So the compressed image here will be the parameter in the quantum circuit, because the #qubit is logarithm scale based on image size, the size of compressed image also increase logarithmically.</a:t>
             </a:r>
           </a:p>
         </p:txBody>
@@ -764,7 +1511,7 @@
           <a:p>
             <a:fld id="{E38DE327-A019-4F6D-8761-CEFA99679714}" type="slidenum">
               <a:rPr lang="en-US" smtClean="0"/>
-              <a:t>5</a:t>
+              <a:t>4</a:t>
             </a:fld>
             <a:endParaRPr lang="en-US"/>
           </a:p>
@@ -773,7 +1520,7 @@
     </p:spTree>
     <p:extLst>
       <p:ext uri="{BB962C8B-B14F-4D97-AF65-F5344CB8AC3E}">
-        <p14:creationId xmlns:p14="http://schemas.microsoft.com/office/powerpoint/2010/main" val="1203192242"/>
+        <p14:creationId xmlns:p14="http://schemas.microsoft.com/office/powerpoint/2010/main" val="2649143912"/>
       </p:ext>
     </p:extLst>
   </p:cSld>
@@ -829,56 +1576,45 @@
           <a:p>
             <a:r>
               <a:rPr lang="en-US" dirty="0"/>
-              <a:t>There are some Drawback of quantum image compression algorithm based on compilation.</a:t>
-            </a:r>
-          </a:p>
-          <a:p>
-            <a:pPr marL="228600" indent="-228600">
-              <a:buAutoNum type="arabicPeriod"/>
-            </a:pPr>
-            <a:r>
-              <a:rPr lang="en-US" dirty="0"/>
-              <a:t>Quadratic scale following by image size</a:t>
-            </a:r>
-          </a:p>
-          <a:p>
-            <a:pPr marL="228600" indent="-228600">
-              <a:buAutoNum type="arabicPeriod"/>
-            </a:pPr>
-            <a:r>
-              <a:rPr lang="en-US" dirty="0"/>
-              <a:t>I would strongly said that this method is the lossy type. So it only suitable for application that require speed, not accuracy.</a:t>
-            </a:r>
-          </a:p>
-          <a:p>
-            <a:pPr marL="228600" indent="-228600">
-              <a:buAutoNum type="arabicPeriod"/>
-            </a:pPr>
-            <a:r>
-              <a:rPr lang="en-US" dirty="0"/>
-              <a:t>With the current generation of quantum, we actually don’t have the real one, so using simulation take a lot of time for experiment</a:t>
-            </a:r>
-          </a:p>
-          <a:p>
-            <a:pPr marL="228600" indent="-228600">
-              <a:buAutoNum type="arabicPeriod"/>
-            </a:pPr>
+              <a:t>The compilation can be viewed as an optimization process, we found some optimal parameter theta for satisfy some cost function. The parameters are stored into the phase values of rotation (parameterized) gates.</a:t>
+            </a:r>
+          </a:p>
+          <a:p>
+            <a:r>
+              <a:rPr lang="en-US" dirty="0"/>
+              <a:t>This process </a:t>
+            </a:r>
+            <a:r>
+              <a:rPr lang="en-US" dirty="0" err="1"/>
+              <a:t>repated</a:t>
+            </a:r>
+            <a:r>
+              <a:rPr lang="en-US" dirty="0"/>
+              <a:t> in n iteration, and can be stop early if the loss less the some threshold t.</a:t>
+            </a:r>
+          </a:p>
+          <a:p>
             <a:endParaRPr lang="en-US" dirty="0"/>
           </a:p>
           <a:p>
-            <a:pPr marL="0" indent="0">
-              <a:buNone/>
-            </a:pPr>
-            <a:r>
-              <a:rPr lang="en-US" dirty="0"/>
-              <a:t>We solve (1) by a parameter estimator, In general spending less #iteration for compressing process. It indirectly cover (3) by reducing the total simulation time.</a:t>
-            </a:r>
-          </a:p>
-          <a:p>
-            <a:pPr marL="228600" indent="-228600">
-              <a:buAutoNum type="arabicPeriod"/>
-            </a:pPr>
-            <a:endParaRPr lang="en-US" dirty="0"/>
+            <a:r>
+              <a:rPr lang="en-US" dirty="0"/>
+              <a:t>As the standard quantum optimization algorithm, this scheme is the hybrid one. The cost is measured from circuit, the gradient is calculated based on parameter-shift rule and the updated parameter is taken from classical computer.</a:t>
+            </a:r>
+          </a:p>
+          <a:p>
+            <a:r>
+              <a:rPr lang="en-US" dirty="0"/>
+              <a:t>The ansatz (quantum circuit structure) here can be any formulated ansatz, from layered type (XYZ on slide) to graph, chain, </a:t>
+            </a:r>
+            <a:r>
+              <a:rPr lang="en-US" dirty="0" err="1"/>
+              <a:t>neightbor</a:t>
+            </a:r>
+            <a:r>
+              <a:rPr lang="en-US" dirty="0"/>
+              <a:t>, … anything</a:t>
+            </a:r>
           </a:p>
         </p:txBody>
       </p:sp>
@@ -899,7 +1635,7 @@
           <a:p>
             <a:fld id="{E38DE327-A019-4F6D-8761-CEFA99679714}" type="slidenum">
               <a:rPr lang="en-US" smtClean="0"/>
-              <a:t>6</a:t>
+              <a:t>5</a:t>
             </a:fld>
             <a:endParaRPr lang="en-US"/>
           </a:p>
@@ -908,7 +1644,7 @@
     </p:spTree>
     <p:extLst>
       <p:ext uri="{BB962C8B-B14F-4D97-AF65-F5344CB8AC3E}">
-        <p14:creationId xmlns:p14="http://schemas.microsoft.com/office/powerpoint/2010/main" val="820285006"/>
+        <p14:creationId xmlns:p14="http://schemas.microsoft.com/office/powerpoint/2010/main" val="1203192242"/>
       </p:ext>
     </p:extLst>
   </p:cSld>
@@ -964,36 +1700,56 @@
           <a:p>
             <a:r>
               <a:rPr lang="en-US" dirty="0"/>
-              <a:t>Consider a region around a block, called neighbor blocks, if there is at least one compressed block in neighbor block set, we can use the parameter estimator on the slide.</a:t>
-            </a:r>
-          </a:p>
-          <a:p>
-            <a:r>
-              <a:rPr lang="en-US" dirty="0"/>
-              <a:t>This formula expand from first-order Taylor series, the detail process can be found on paper and I do not put it here. But simplicity, for any compressed parameter for y, we can found its “estimated best parameter”.</a:t>
-            </a:r>
-          </a:p>
-          <a:p>
-            <a:r>
-              <a:rPr lang="en-US" dirty="0"/>
-              <a:t>After that we substitute into </a:t>
-            </a:r>
-            <a:r>
-              <a:rPr lang="en-US" dirty="0" err="1"/>
-              <a:t>C_y</a:t>
-            </a:r>
-            <a:r>
-              <a:rPr lang="en-US" dirty="0"/>
-              <a:t>, if </a:t>
-            </a:r>
-            <a:r>
-              <a:rPr lang="en-US" dirty="0" err="1"/>
-              <a:t>C_y</a:t>
-            </a:r>
-            <a:r>
-              <a:rPr lang="en-US" dirty="0"/>
-              <a:t> &lt; threshold, we no need to run compilation anymore. Otherwise, run normal compilation with initial parameter = \theta^*_y. Averagely, do it many times will cost less total #iteration</a:t>
-            </a:r>
+              <a:t>There are some Drawback of quantum image compression algorithm based on compilation.</a:t>
+            </a:r>
+          </a:p>
+          <a:p>
+            <a:pPr marL="228600" indent="-228600">
+              <a:buAutoNum type="arabicPeriod"/>
+            </a:pPr>
+            <a:r>
+              <a:rPr lang="en-US" dirty="0"/>
+              <a:t>Quadratic scale following by image size</a:t>
+            </a:r>
+          </a:p>
+          <a:p>
+            <a:pPr marL="228600" indent="-228600">
+              <a:buAutoNum type="arabicPeriod"/>
+            </a:pPr>
+            <a:r>
+              <a:rPr lang="en-US" dirty="0"/>
+              <a:t>I would strongly said that this method is the lossy type. So it only suitable for application that require speed, not accuracy.</a:t>
+            </a:r>
+          </a:p>
+          <a:p>
+            <a:pPr marL="228600" indent="-228600">
+              <a:buAutoNum type="arabicPeriod"/>
+            </a:pPr>
+            <a:r>
+              <a:rPr lang="en-US" dirty="0"/>
+              <a:t>With the current generation of quantum, we actually don’t have the real one, so using simulation take a lot of time for experiment</a:t>
+            </a:r>
+          </a:p>
+          <a:p>
+            <a:pPr marL="228600" indent="-228600">
+              <a:buAutoNum type="arabicPeriod"/>
+            </a:pPr>
+            <a:endParaRPr lang="en-US" dirty="0"/>
+          </a:p>
+          <a:p>
+            <a:pPr marL="0" indent="0">
+              <a:buNone/>
+            </a:pPr>
+            <a:r>
+              <a:rPr lang="en-US" dirty="0"/>
+              <a:t>We solve (1) by a parameter estimator, In general spending less #iteration for compressing process. It indirectly cover (3) by reducing the total simulation time.</a:t>
+            </a:r>
+          </a:p>
+          <a:p>
+            <a:pPr marL="228600" indent="-228600">
+              <a:buAutoNum type="arabicPeriod"/>
+            </a:pPr>
+            <a:endParaRPr lang="en-US" dirty="0"/>
           </a:p>
         </p:txBody>
       </p:sp>
@@ -1014,7 +1770,7 @@
           <a:p>
             <a:fld id="{E38DE327-A019-4F6D-8761-CEFA99679714}" type="slidenum">
               <a:rPr lang="en-US" smtClean="0"/>
-              <a:t>7</a:t>
+              <a:t>6</a:t>
             </a:fld>
             <a:endParaRPr lang="en-US"/>
           </a:p>
@@ -1023,7 +1779,7 @@
     </p:spTree>
     <p:extLst>
       <p:ext uri="{BB962C8B-B14F-4D97-AF65-F5344CB8AC3E}">
-        <p14:creationId xmlns:p14="http://schemas.microsoft.com/office/powerpoint/2010/main" val="4079721874"/>
+        <p14:creationId xmlns:p14="http://schemas.microsoft.com/office/powerpoint/2010/main" val="820285006"/>
       </p:ext>
     </p:extLst>
   </p:cSld>
@@ -1077,131 +1833,38 @@
           <a:bodyPr/>
           <a:lstStyle/>
           <a:p>
-            <a:pPr marL="0" marR="0" lvl="0" indent="0" algn="l" defTabSz="914400" rtl="0" eaLnBrk="1" fontAlgn="auto" latinLnBrk="0" hangingPunct="1">
-              <a:lnSpc>
-                <a:spcPct val="100000"/>
-              </a:lnSpc>
-              <a:spcBef>
-                <a:spcPts val="0"/>
-              </a:spcBef>
-              <a:spcAft>
-                <a:spcPts val="0"/>
-              </a:spcAft>
-              <a:buClrTx/>
-              <a:buSzTx/>
-              <a:buFontTx/>
-              <a:buNone/>
-              <a:tabLst/>
-              <a:defRPr/>
-            </a:pPr>
-            <a:r>
-              <a:rPr lang="en-US" dirty="0"/>
-              <a:t>Fig. 4. Experiment’s result on (a) Lenna image and (b) Cameraman image. The investigated properties include (1) average cost value, (2) average minimal number of iterations, and (3) “Transferred” percent. We experimented with two images: Lenna and Cameraman. The </a:t>
+            <a:r>
+              <a:rPr lang="en-US" dirty="0"/>
+              <a:t>Consider a region around a block, called neighbor blocks, if there is at least one compressed block in neighbor block set, we can use the parameter estimator on the slide.</a:t>
+            </a:r>
+          </a:p>
+          <a:p>
+            <a:r>
+              <a:rPr lang="en-US" dirty="0"/>
+              <a:t>This formula expand from first-order Taylor series, the detail process can be found on paper and I do not put it here. But simplicity, for any compressed parameter for y, we can found its “estimated best parameter”.</a:t>
+            </a:r>
+          </a:p>
+          <a:p>
+            <a:r>
+              <a:rPr lang="en-US" dirty="0"/>
+              <a:t>After that we substitute into </a:t>
             </a:r>
             <a:r>
               <a:rPr lang="en-US" dirty="0" err="1"/>
-              <a:t>originalsize</a:t>
-            </a:r>
-            <a:r>
-              <a:rPr lang="en-US" dirty="0"/>
-              <a:t> of these images is 256 × 256 which is scaled as 8 × 8, 16 × 16, . . . and 128 × 128. The fast method and the naive method’s results are presented as normal (—-) and dotted lines ( ), respectively. The tested block sizes (k) are 2 and 4</a:t>
-            </a:r>
-          </a:p>
-          <a:p>
-            <a:pPr marL="0" marR="0" lvl="0" indent="0" algn="l" defTabSz="914400" rtl="0" eaLnBrk="1" fontAlgn="auto" latinLnBrk="0" hangingPunct="1">
-              <a:lnSpc>
-                <a:spcPct val="100000"/>
-              </a:lnSpc>
-              <a:spcBef>
-                <a:spcPts val="0"/>
-              </a:spcBef>
-              <a:spcAft>
-                <a:spcPts val="0"/>
-              </a:spcAft>
-              <a:buClrTx/>
-              <a:buSzTx/>
-              <a:buFontTx/>
-              <a:buNone/>
-              <a:tabLst/>
-              <a:defRPr/>
-            </a:pPr>
-            <a:endParaRPr lang="en-US" dirty="0"/>
-          </a:p>
-          <a:p>
-            <a:pPr marL="0" marR="0" lvl="0" indent="0" algn="l" defTabSz="914400" rtl="0" eaLnBrk="1" fontAlgn="auto" latinLnBrk="0" hangingPunct="1">
-              <a:lnSpc>
-                <a:spcPct val="100000"/>
-              </a:lnSpc>
-              <a:spcBef>
-                <a:spcPts val="0"/>
-              </a:spcBef>
-              <a:spcAft>
-                <a:spcPts val="0"/>
-              </a:spcAft>
-              <a:buClrTx/>
-              <a:buSzTx/>
-              <a:buFontTx/>
-              <a:buNone/>
-              <a:tabLst/>
-              <a:defRPr/>
-            </a:pPr>
-            <a:r>
-              <a:rPr lang="en-US" dirty="0"/>
-              <a:t>C: cost, but it can be considered as loss between decompressed image and original image, lower is better</a:t>
-            </a:r>
-          </a:p>
-          <a:p>
-            <a:pPr marL="0" marR="0" lvl="0" indent="0" algn="l" defTabSz="914400" rtl="0" eaLnBrk="1" fontAlgn="auto" latinLnBrk="0" hangingPunct="1">
-              <a:lnSpc>
-                <a:spcPct val="100000"/>
-              </a:lnSpc>
-              <a:spcBef>
-                <a:spcPts val="0"/>
-              </a:spcBef>
-              <a:spcAft>
-                <a:spcPts val="0"/>
-              </a:spcAft>
-              <a:buClrTx/>
-              <a:buSzTx/>
-              <a:buFontTx/>
-              <a:buNone/>
-              <a:tabLst/>
-              <a:defRPr/>
-            </a:pPr>
+              <a:t>C_y</a:t>
+            </a:r>
+            <a:r>
+              <a:rPr lang="en-US" dirty="0"/>
+              <a:t>, if </a:t>
+            </a:r>
             <a:r>
               <a:rPr lang="en-US" dirty="0" err="1"/>
-              <a:t>N_iter</a:t>
-            </a:r>
-            <a:r>
-              <a:rPr lang="en-US" dirty="0"/>
-              <a:t>: average minimal number of iterations for compressing an image, lower is better</a:t>
-            </a:r>
-          </a:p>
-          <a:p>
-            <a:pPr marL="0" marR="0" lvl="0" indent="0" algn="l" defTabSz="914400" rtl="0" eaLnBrk="1" fontAlgn="auto" latinLnBrk="0" hangingPunct="1">
-              <a:lnSpc>
-                <a:spcPct val="100000"/>
-              </a:lnSpc>
-              <a:spcBef>
-                <a:spcPts val="0"/>
-              </a:spcBef>
-              <a:spcAft>
-                <a:spcPts val="0"/>
-              </a:spcAft>
-              <a:buClrTx/>
-              <a:buSzTx/>
-              <a:buFontTx/>
-              <a:buNone/>
-              <a:tabLst/>
-              <a:defRPr/>
-            </a:pPr>
-            <a:r>
-              <a:rPr lang="en-US" dirty="0"/>
-              <a:t>Transferred percent (only available for proposed method) is the percent which a block is compressed with less iterations thanks to one of their neighbor compressed blocks. Higher is better</a:t>
-            </a:r>
-          </a:p>
-          <a:p>
-            <a:endParaRPr lang="en-US" dirty="0"/>
+              <a:t>C_y</a:t>
+            </a:r>
+            <a:r>
+              <a:rPr lang="en-US" dirty="0"/>
+              <a:t> &lt; threshold, we no need to run compilation anymore. Otherwise, run normal compilation with initial parameter = \theta^*_y. Averagely, do it many times will cost less total #iteration</a:t>
+            </a:r>
           </a:p>
         </p:txBody>
       </p:sp>
@@ -1222,7 +1885,7 @@
           <a:p>
             <a:fld id="{E38DE327-A019-4F6D-8761-CEFA99679714}" type="slidenum">
               <a:rPr lang="en-US" smtClean="0"/>
-              <a:t>8</a:t>
+              <a:t>7</a:t>
             </a:fld>
             <a:endParaRPr lang="en-US"/>
           </a:p>
@@ -1231,7 +1894,7 @@
     </p:spTree>
     <p:extLst>
       <p:ext uri="{BB962C8B-B14F-4D97-AF65-F5344CB8AC3E}">
-        <p14:creationId xmlns:p14="http://schemas.microsoft.com/office/powerpoint/2010/main" val="1785652930"/>
+        <p14:creationId xmlns:p14="http://schemas.microsoft.com/office/powerpoint/2010/main" val="4079721874"/>
       </p:ext>
     </p:extLst>
   </p:cSld>
@@ -1270,8 +1933,216 @@
         </p:nvSpPr>
         <p:spPr/>
       </p:sp>
-      <mc:AlternateContent xmlns:mc="http://schemas.openxmlformats.org/markup-compatibility/2006">
-        <mc:Choice xmlns:a14="http://schemas.microsoft.com/office/drawing/2010/main" Requires="a14">
+      <p:sp>
+        <p:nvSpPr>
+          <p:cNvPr id="3" name="Notes Placeholder 2"/>
+          <p:cNvSpPr>
+            <a:spLocks noGrp="1"/>
+          </p:cNvSpPr>
+          <p:nvPr>
+            <p:ph type="body" idx="1"/>
+          </p:nvPr>
+        </p:nvSpPr>
+        <p:spPr/>
+        <p:txBody>
+          <a:bodyPr/>
+          <a:lstStyle/>
+          <a:p>
+            <a:pPr marL="0" marR="0" lvl="0" indent="0" algn="l" defTabSz="914400" rtl="0" eaLnBrk="1" fontAlgn="auto" latinLnBrk="0" hangingPunct="1">
+              <a:lnSpc>
+                <a:spcPct val="100000"/>
+              </a:lnSpc>
+              <a:spcBef>
+                <a:spcPts val="0"/>
+              </a:spcBef>
+              <a:spcAft>
+                <a:spcPts val="0"/>
+              </a:spcAft>
+              <a:buClrTx/>
+              <a:buSzTx/>
+              <a:buFontTx/>
+              <a:buNone/>
+              <a:tabLst/>
+              <a:defRPr/>
+            </a:pPr>
+            <a:r>
+              <a:rPr lang="en-US" dirty="0"/>
+              <a:t>Fig. 4. Experiment’s result on (a) Lenna image and (b) Cameraman image. The investigated properties include (1) average cost value, (2) average minimal number of iterations, and (3) “Transferred” percent. We experimented with two images: Lenna and Cameraman. The </a:t>
+            </a:r>
+            <a:r>
+              <a:rPr lang="en-US" dirty="0" err="1"/>
+              <a:t>originalsize</a:t>
+            </a:r>
+            <a:r>
+              <a:rPr lang="en-US" dirty="0"/>
+              <a:t> of these images is 256 × 256 which is scaled as 8 × 8, 16 × 16, . . . and 128 × 128. The fast method and the naive method’s results are presented as normal (—-) and dotted lines ( ), respectively. The tested block sizes (k) are 2 and 4</a:t>
+            </a:r>
+          </a:p>
+          <a:p>
+            <a:pPr marL="0" marR="0" lvl="0" indent="0" algn="l" defTabSz="914400" rtl="0" eaLnBrk="1" fontAlgn="auto" latinLnBrk="0" hangingPunct="1">
+              <a:lnSpc>
+                <a:spcPct val="100000"/>
+              </a:lnSpc>
+              <a:spcBef>
+                <a:spcPts val="0"/>
+              </a:spcBef>
+              <a:spcAft>
+                <a:spcPts val="0"/>
+              </a:spcAft>
+              <a:buClrTx/>
+              <a:buSzTx/>
+              <a:buFontTx/>
+              <a:buNone/>
+              <a:tabLst/>
+              <a:defRPr/>
+            </a:pPr>
+            <a:endParaRPr lang="en-US" dirty="0"/>
+          </a:p>
+          <a:p>
+            <a:pPr marL="0" marR="0" lvl="0" indent="0" algn="l" defTabSz="914400" rtl="0" eaLnBrk="1" fontAlgn="auto" latinLnBrk="0" hangingPunct="1">
+              <a:lnSpc>
+                <a:spcPct val="100000"/>
+              </a:lnSpc>
+              <a:spcBef>
+                <a:spcPts val="0"/>
+              </a:spcBef>
+              <a:spcAft>
+                <a:spcPts val="0"/>
+              </a:spcAft>
+              <a:buClrTx/>
+              <a:buSzTx/>
+              <a:buFontTx/>
+              <a:buNone/>
+              <a:tabLst/>
+              <a:defRPr/>
+            </a:pPr>
+            <a:r>
+              <a:rPr lang="en-US" dirty="0"/>
+              <a:t>C: cost, but it can be considered as loss between decompressed image and original image, lower is better</a:t>
+            </a:r>
+          </a:p>
+          <a:p>
+            <a:pPr marL="0" marR="0" lvl="0" indent="0" algn="l" defTabSz="914400" rtl="0" eaLnBrk="1" fontAlgn="auto" latinLnBrk="0" hangingPunct="1">
+              <a:lnSpc>
+                <a:spcPct val="100000"/>
+              </a:lnSpc>
+              <a:spcBef>
+                <a:spcPts val="0"/>
+              </a:spcBef>
+              <a:spcAft>
+                <a:spcPts val="0"/>
+              </a:spcAft>
+              <a:buClrTx/>
+              <a:buSzTx/>
+              <a:buFontTx/>
+              <a:buNone/>
+              <a:tabLst/>
+              <a:defRPr/>
+            </a:pPr>
+            <a:r>
+              <a:rPr lang="en-US" dirty="0" err="1"/>
+              <a:t>N_iter</a:t>
+            </a:r>
+            <a:r>
+              <a:rPr lang="en-US" dirty="0"/>
+              <a:t>: average minimal number of iterations for compressing an image, lower is better</a:t>
+            </a:r>
+          </a:p>
+          <a:p>
+            <a:pPr marL="0" marR="0" lvl="0" indent="0" algn="l" defTabSz="914400" rtl="0" eaLnBrk="1" fontAlgn="auto" latinLnBrk="0" hangingPunct="1">
+              <a:lnSpc>
+                <a:spcPct val="100000"/>
+              </a:lnSpc>
+              <a:spcBef>
+                <a:spcPts val="0"/>
+              </a:spcBef>
+              <a:spcAft>
+                <a:spcPts val="0"/>
+              </a:spcAft>
+              <a:buClrTx/>
+              <a:buSzTx/>
+              <a:buFontTx/>
+              <a:buNone/>
+              <a:tabLst/>
+              <a:defRPr/>
+            </a:pPr>
+            <a:r>
+              <a:rPr lang="en-US" dirty="0"/>
+              <a:t>Transferred percent (only available for proposed method) is the percent which a block is compressed with less iterations thanks to one of their neighbor compressed blocks. Higher is better</a:t>
+            </a:r>
+          </a:p>
+          <a:p>
+            <a:endParaRPr lang="en-US" dirty="0"/>
+          </a:p>
+        </p:txBody>
+      </p:sp>
+      <p:sp>
+        <p:nvSpPr>
+          <p:cNvPr id="4" name="Slide Number Placeholder 3"/>
+          <p:cNvSpPr>
+            <a:spLocks noGrp="1"/>
+          </p:cNvSpPr>
+          <p:nvPr>
+            <p:ph type="sldNum" sz="quarter" idx="5"/>
+          </p:nvPr>
+        </p:nvSpPr>
+        <p:spPr/>
+        <p:txBody>
+          <a:bodyPr/>
+          <a:lstStyle/>
+          <a:p>
+            <a:fld id="{E38DE327-A019-4F6D-8761-CEFA99679714}" type="slidenum">
+              <a:rPr lang="en-US" smtClean="0"/>
+              <a:t>8</a:t>
+            </a:fld>
+            <a:endParaRPr lang="en-US"/>
+          </a:p>
+        </p:txBody>
+      </p:sp>
+    </p:spTree>
+    <p:extLst>
+      <p:ext uri="{BB962C8B-B14F-4D97-AF65-F5344CB8AC3E}">
+        <p14:creationId xmlns:p14="http://schemas.microsoft.com/office/powerpoint/2010/main" val="1785652930"/>
+      </p:ext>
+    </p:extLst>
+  </p:cSld>
+  <p:clrMapOvr>
+    <a:masterClrMapping/>
+  </p:clrMapOvr>
+</p:notes>
+</file>
+
+<file path=ppt/notesSlides/notesSlide8.xml><?xml version="1.0" encoding="utf-8"?>
+<p:notes xmlns:a="http://schemas.openxmlformats.org/drawingml/2006/main" xmlns:r="http://schemas.openxmlformats.org/officeDocument/2006/relationships" xmlns:p="http://schemas.openxmlformats.org/presentationml/2006/main">
+  <p:cSld>
+    <p:spTree>
+      <p:nvGrpSpPr>
+        <p:cNvPr id="1" name=""/>
+        <p:cNvGrpSpPr/>
+        <p:nvPr/>
+      </p:nvGrpSpPr>
+      <p:grpSpPr>
+        <a:xfrm>
+          <a:off x="0" y="0"/>
+          <a:ext cx="0" cy="0"/>
+          <a:chOff x="0" y="0"/>
+          <a:chExt cx="0" cy="0"/>
+        </a:xfrm>
+      </p:grpSpPr>
+      <p:sp>
+        <p:nvSpPr>
+          <p:cNvPr id="2" name="Slide Image Placeholder 1"/>
+          <p:cNvSpPr>
+            <a:spLocks noGrp="1" noRot="1" noChangeAspect="1"/>
+          </p:cNvSpPr>
+          <p:nvPr>
+            <p:ph type="sldImg"/>
+          </p:nvPr>
+        </p:nvSpPr>
+        <p:spPr/>
+      </p:sp>
+      <mc:AlternateContent xmlns:mc="http://schemas.openxmlformats.org/markup-compatibility/2006" xmlns:a14="http://schemas.microsoft.com/office/drawing/2010/main">
+        <mc:Choice Requires="a14">
           <p:sp>
             <p:nvSpPr>
               <p:cNvPr id="3" name="Notes Placeholder 2"/>
@@ -1388,7 +2259,7 @@
             </p:txBody>
           </p:sp>
         </mc:Choice>
-        <mc:Fallback>
+        <mc:Fallback xmlns="">
           <p:sp>
             <p:nvSpPr>
               <p:cNvPr id="3" name="Notes Placeholder 2"/>
@@ -1652,7 +2523,7 @@
           <a:p>
             <a:fld id="{8CF6BE9E-2E64-4208-AF2E-ABCEDB349796}" type="datetime1">
               <a:rPr lang="en-US" smtClean="0"/>
-              <a:t>4/11/2025</a:t>
+              <a:t>5/12/2025</a:t>
             </a:fld>
             <a:endParaRPr lang="en-VN"/>
           </a:p>
@@ -1945,7 +2816,7 @@
           <a:p>
             <a:fld id="{20491EEF-B52C-418A-9D63-83BC1B1E3D13}" type="datetime1">
               <a:rPr lang="en-US" smtClean="0"/>
-              <a:t>4/11/2025</a:t>
+              <a:t>5/12/2025</a:t>
             </a:fld>
             <a:endParaRPr lang="en-VN"/>
           </a:p>
@@ -2154,7 +3025,7 @@
           <a:p>
             <a:fld id="{FD5EB03E-7A00-44DB-AA66-083E43E56FCD}" type="datetime1">
               <a:rPr lang="en-US" smtClean="0"/>
-              <a:t>4/11/2025</a:t>
+              <a:t>5/12/2025</a:t>
             </a:fld>
             <a:endParaRPr lang="en-VN"/>
           </a:p>
@@ -2353,7 +3224,7 @@
           <a:p>
             <a:fld id="{07C8277B-0886-485C-908B-026D130EC8F7}" type="datetime1">
               <a:rPr lang="en-US" smtClean="0"/>
-              <a:t>4/11/2025</a:t>
+              <a:t>5/12/2025</a:t>
             </a:fld>
             <a:endParaRPr lang="en-VN"/>
           </a:p>
@@ -2722,7 +3593,7 @@
           <a:p>
             <a:fld id="{00A40C21-EE03-4D7D-B51D-8D0FC9D7E289}" type="datetime1">
               <a:rPr lang="en-US" smtClean="0"/>
-              <a:t>4/11/2025</a:t>
+              <a:t>5/12/2025</a:t>
             </a:fld>
             <a:endParaRPr lang="en-VN"/>
           </a:p>
@@ -2989,7 +3860,7 @@
           <a:p>
             <a:fld id="{3C59BB0F-B6CB-492E-9FE3-828F3DE14BB1}" type="datetime1">
               <a:rPr lang="en-US" smtClean="0"/>
-              <a:t>4/11/2025</a:t>
+              <a:t>5/12/2025</a:t>
             </a:fld>
             <a:endParaRPr lang="en-VN"/>
           </a:p>
@@ -3403,7 +4274,7 @@
           <a:p>
             <a:fld id="{6D220A79-29F2-46E9-B1EE-AD4C1F37295E}" type="datetime1">
               <a:rPr lang="en-US" smtClean="0"/>
-              <a:t>4/11/2025</a:t>
+              <a:t>5/12/2025</a:t>
             </a:fld>
             <a:endParaRPr lang="en-VN"/>
           </a:p>
@@ -3544,7 +4415,7 @@
           <a:p>
             <a:fld id="{93A665FE-8C63-44F8-887F-8687392DAF3C}" type="datetime1">
               <a:rPr lang="en-US" smtClean="0"/>
-              <a:t>4/11/2025</a:t>
+              <a:t>5/12/2025</a:t>
             </a:fld>
             <a:endParaRPr lang="en-VN"/>
           </a:p>
@@ -3656,7 +4527,7 @@
           <a:p>
             <a:fld id="{1048EEC1-FBDF-4C75-AA8A-28E3DE255B3E}" type="datetime1">
               <a:rPr lang="en-US" smtClean="0"/>
-              <a:t>4/11/2025</a:t>
+              <a:t>5/12/2025</a:t>
             </a:fld>
             <a:endParaRPr lang="en-VN"/>
           </a:p>
@@ -3968,7 +4839,7 @@
           <a:p>
             <a:fld id="{1A557E8E-EA34-4011-B3A5-5D53B945CC75}" type="datetime1">
               <a:rPr lang="en-US" smtClean="0"/>
-              <a:t>4/11/2025</a:t>
+              <a:t>5/12/2025</a:t>
             </a:fld>
             <a:endParaRPr lang="en-VN"/>
           </a:p>
@@ -4256,7 +5127,7 @@
           <a:p>
             <a:fld id="{345B84C4-B689-47BA-98DA-EC5431FECC9D}" type="datetime1">
               <a:rPr lang="en-US" smtClean="0"/>
-              <a:t>4/11/2025</a:t>
+              <a:t>5/12/2025</a:t>
             </a:fld>
             <a:endParaRPr lang="en-VN"/>
           </a:p>
@@ -4498,7 +5369,7 @@
           <a:p>
             <a:fld id="{1CA8C7CE-C23E-4FFE-98E0-065A365A2297}" type="datetime1">
               <a:rPr lang="en-US" smtClean="0"/>
-              <a:t>4/11/2025</a:t>
+              <a:t>5/12/2025</a:t>
             </a:fld>
             <a:endParaRPr lang="en-VN"/>
           </a:p>
@@ -5849,8 +6720,8 @@
           </a:p>
         </p:txBody>
       </p:sp>
-      <mc:AlternateContent xmlns:mc="http://schemas.openxmlformats.org/markup-compatibility/2006">
-        <mc:Choice xmlns:a14="http://schemas.microsoft.com/office/drawing/2010/main" Requires="a14">
+      <mc:AlternateContent xmlns:mc="http://schemas.openxmlformats.org/markup-compatibility/2006" xmlns:a14="http://schemas.microsoft.com/office/drawing/2010/main">
+        <mc:Choice Requires="a14">
           <p:sp>
             <p:nvSpPr>
               <p:cNvPr id="41" name="TextBox 40">
@@ -5950,7 +6821,7 @@
             </p:txBody>
           </p:sp>
         </mc:Choice>
-        <mc:Fallback>
+        <mc:Fallback xmlns="">
           <p:sp>
             <p:nvSpPr>
               <p:cNvPr id="41" name="TextBox 40">
@@ -6073,8 +6944,8 @@
           </a:p>
         </p:txBody>
       </p:sp>
-      <mc:AlternateContent xmlns:mc="http://schemas.openxmlformats.org/markup-compatibility/2006">
-        <mc:Choice xmlns:a14="http://schemas.microsoft.com/office/drawing/2010/main" Requires="a14">
+      <mc:AlternateContent xmlns:mc="http://schemas.openxmlformats.org/markup-compatibility/2006" xmlns:a14="http://schemas.microsoft.com/office/drawing/2010/main">
+        <mc:Choice Requires="a14">
           <p:sp>
             <p:nvSpPr>
               <p:cNvPr id="44" name="TextBox 43">
@@ -6139,7 +7010,7 @@
             </p:txBody>
           </p:sp>
         </mc:Choice>
-        <mc:Fallback>
+        <mc:Fallback xmlns="">
           <p:sp>
             <p:nvSpPr>
               <p:cNvPr id="44" name="TextBox 43">
@@ -6348,8 +7219,8 @@
           </a:p>
         </p:txBody>
       </p:sp>
-      <mc:AlternateContent xmlns:mc="http://schemas.openxmlformats.org/markup-compatibility/2006">
-        <mc:Choice xmlns:a14="http://schemas.microsoft.com/office/drawing/2010/main" Requires="a14">
+      <mc:AlternateContent xmlns:mc="http://schemas.openxmlformats.org/markup-compatibility/2006" xmlns:a14="http://schemas.microsoft.com/office/drawing/2010/main">
+        <mc:Choice Requires="a14">
           <p:sp>
             <p:nvSpPr>
               <p:cNvPr id="48" name="TextBox 47">
@@ -6459,7 +7330,7 @@
             </p:txBody>
           </p:sp>
         </mc:Choice>
-        <mc:Fallback>
+        <mc:Fallback xmlns="">
           <p:sp>
             <p:nvSpPr>
               <p:cNvPr id="48" name="TextBox 47">
@@ -6509,8 +7380,8 @@
           </p:sp>
         </mc:Fallback>
       </mc:AlternateContent>
-      <mc:AlternateContent xmlns:mc="http://schemas.openxmlformats.org/markup-compatibility/2006">
-        <mc:Choice xmlns:a14="http://schemas.microsoft.com/office/drawing/2010/main" Requires="a14">
+      <mc:AlternateContent xmlns:mc="http://schemas.openxmlformats.org/markup-compatibility/2006" xmlns:a14="http://schemas.microsoft.com/office/drawing/2010/main">
+        <mc:Choice Requires="a14">
           <p:sp>
             <p:nvSpPr>
               <p:cNvPr id="49" name="TextBox 48">
@@ -6580,7 +7451,7 @@
             </p:txBody>
           </p:sp>
         </mc:Choice>
-        <mc:Fallback>
+        <mc:Fallback xmlns="">
           <p:sp>
             <p:nvSpPr>
               <p:cNvPr id="49" name="TextBox 48">
@@ -6630,8 +7501,8 @@
           </p:sp>
         </mc:Fallback>
       </mc:AlternateContent>
-      <mc:AlternateContent xmlns:mc="http://schemas.openxmlformats.org/markup-compatibility/2006">
-        <mc:Choice xmlns:a14="http://schemas.microsoft.com/office/drawing/2010/main" Requires="a14">
+      <mc:AlternateContent xmlns:mc="http://schemas.openxmlformats.org/markup-compatibility/2006" xmlns:a14="http://schemas.microsoft.com/office/drawing/2010/main">
+        <mc:Choice Requires="a14">
           <p:sp>
             <p:nvSpPr>
               <p:cNvPr id="50" name="TextBox 49">
@@ -6704,7 +7575,7 @@
             </p:txBody>
           </p:sp>
         </mc:Choice>
-        <mc:Fallback>
+        <mc:Fallback xmlns="">
           <p:sp>
             <p:nvSpPr>
               <p:cNvPr id="50" name="TextBox 49">
@@ -6754,8 +7625,8 @@
           </p:sp>
         </mc:Fallback>
       </mc:AlternateContent>
-      <mc:AlternateContent xmlns:mc="http://schemas.openxmlformats.org/markup-compatibility/2006">
-        <mc:Choice xmlns:a14="http://schemas.microsoft.com/office/drawing/2010/main" Requires="a14">
+      <mc:AlternateContent xmlns:mc="http://schemas.openxmlformats.org/markup-compatibility/2006" xmlns:a14="http://schemas.microsoft.com/office/drawing/2010/main">
+        <mc:Choice Requires="a14">
           <p:sp>
             <p:nvSpPr>
               <p:cNvPr id="51" name="TextBox 50">
@@ -6806,7 +7677,7 @@
             </p:txBody>
           </p:sp>
         </mc:Choice>
-        <mc:Fallback>
+        <mc:Fallback xmlns="">
           <p:sp>
             <p:nvSpPr>
               <p:cNvPr id="51" name="TextBox 50">
@@ -6931,8 +7802,8 @@
           </a:fontRef>
         </p:style>
       </p:cxnSp>
-      <mc:AlternateContent xmlns:mc="http://schemas.openxmlformats.org/markup-compatibility/2006">
-        <mc:Choice xmlns:a14="http://schemas.microsoft.com/office/drawing/2010/main" Requires="a14">
+      <mc:AlternateContent xmlns:mc="http://schemas.openxmlformats.org/markup-compatibility/2006" xmlns:a14="http://schemas.microsoft.com/office/drawing/2010/main">
+        <mc:Choice Requires="a14">
           <p:graphicFrame>
             <p:nvGraphicFramePr>
               <p:cNvPr id="60" name="Table 59">
@@ -7382,7 +8253,7 @@
             </a:graphic>
           </p:graphicFrame>
         </mc:Choice>
-        <mc:Fallback>
+        <mc:Fallback xmlns="">
           <p:graphicFrame>
             <p:nvGraphicFramePr>
               <p:cNvPr id="60" name="Table 59">
@@ -8250,8 +9121,8 @@
           </a:fontRef>
         </p:style>
       </p:cxnSp>
-      <mc:AlternateContent xmlns:mc="http://schemas.openxmlformats.org/markup-compatibility/2006">
-        <mc:Choice xmlns:a14="http://schemas.microsoft.com/office/drawing/2010/main" Requires="a14">
+      <mc:AlternateContent xmlns:mc="http://schemas.openxmlformats.org/markup-compatibility/2006" xmlns:a14="http://schemas.microsoft.com/office/drawing/2010/main">
+        <mc:Choice Requires="a14">
           <p:sp>
             <p:nvSpPr>
               <p:cNvPr id="10" name="TextBox 9">
@@ -8302,7 +9173,7 @@
             </p:txBody>
           </p:sp>
         </mc:Choice>
-        <mc:Fallback>
+        <mc:Fallback xmlns="">
           <p:sp>
             <p:nvSpPr>
               <p:cNvPr id="10" name="TextBox 9">
@@ -8394,8 +9265,8 @@
           </a:p>
         </p:txBody>
       </p:sp>
-      <mc:AlternateContent xmlns:mc="http://schemas.openxmlformats.org/markup-compatibility/2006">
-        <mc:Choice xmlns:a14="http://schemas.microsoft.com/office/drawing/2010/main" Requires="a14">
+      <mc:AlternateContent xmlns:mc="http://schemas.openxmlformats.org/markup-compatibility/2006" xmlns:a14="http://schemas.microsoft.com/office/drawing/2010/main">
+        <mc:Choice Requires="a14">
           <p:sp>
             <p:nvSpPr>
               <p:cNvPr id="13" name="TextBox 12">
@@ -8445,7 +9316,7 @@
             </p:txBody>
           </p:sp>
         </mc:Choice>
-        <mc:Fallback>
+        <mc:Fallback xmlns="">
           <p:sp>
             <p:nvSpPr>
               <p:cNvPr id="13" name="TextBox 12">
@@ -8537,8 +9408,8 @@
           </a:p>
         </p:txBody>
       </p:sp>
-      <mc:AlternateContent xmlns:mc="http://schemas.openxmlformats.org/markup-compatibility/2006">
-        <mc:Choice xmlns:a14="http://schemas.microsoft.com/office/drawing/2010/main" Requires="a14">
+      <mc:AlternateContent xmlns:mc="http://schemas.openxmlformats.org/markup-compatibility/2006" xmlns:a14="http://schemas.microsoft.com/office/drawing/2010/main">
+        <mc:Choice Requires="a14">
           <p:sp>
             <p:nvSpPr>
               <p:cNvPr id="15" name="TextBox 14">
@@ -8588,7 +9459,7 @@
             </p:txBody>
           </p:sp>
         </mc:Choice>
-        <mc:Fallback>
+        <mc:Fallback xmlns="">
           <p:sp>
             <p:nvSpPr>
               <p:cNvPr id="15" name="TextBox 14">
@@ -8633,8 +9504,8 @@
           </p:sp>
         </mc:Fallback>
       </mc:AlternateContent>
-      <mc:AlternateContent xmlns:mc="http://schemas.openxmlformats.org/markup-compatibility/2006">
-        <mc:Choice xmlns:a14="http://schemas.microsoft.com/office/drawing/2010/main" Requires="a14">
+      <mc:AlternateContent xmlns:mc="http://schemas.openxmlformats.org/markup-compatibility/2006" xmlns:a14="http://schemas.microsoft.com/office/drawing/2010/main">
+        <mc:Choice Requires="a14">
           <p:sp>
             <p:nvSpPr>
               <p:cNvPr id="16" name="TextBox 15">
@@ -8685,7 +9556,7 @@
             </p:txBody>
           </p:sp>
         </mc:Choice>
-        <mc:Fallback>
+        <mc:Fallback xmlns="">
           <p:sp>
             <p:nvSpPr>
               <p:cNvPr id="16" name="TextBox 15">
@@ -8875,8 +9746,8 @@
           </a:p>
         </p:txBody>
       </p:sp>
-      <mc:AlternateContent xmlns:mc="http://schemas.openxmlformats.org/markup-compatibility/2006">
-        <mc:Choice xmlns:a14="http://schemas.microsoft.com/office/drawing/2010/main" Requires="a14">
+      <mc:AlternateContent xmlns:mc="http://schemas.openxmlformats.org/markup-compatibility/2006" xmlns:a14="http://schemas.microsoft.com/office/drawing/2010/main">
+        <mc:Choice Requires="a14">
           <p:sp>
             <p:nvSpPr>
               <p:cNvPr id="20" name="TextBox 19">
@@ -8941,7 +9812,7 @@
             </p:txBody>
           </p:sp>
         </mc:Choice>
-        <mc:Fallback>
+        <mc:Fallback xmlns="">
           <p:sp>
             <p:nvSpPr>
               <p:cNvPr id="20" name="TextBox 19">
@@ -9021,8 +9892,8 @@
           </a:prstGeom>
         </p:spPr>
       </p:pic>
-      <mc:AlternateContent xmlns:mc="http://schemas.openxmlformats.org/markup-compatibility/2006">
-        <mc:Choice xmlns:a14="http://schemas.microsoft.com/office/drawing/2010/main" Requires="a14">
+      <mc:AlternateContent xmlns:mc="http://schemas.openxmlformats.org/markup-compatibility/2006" xmlns:a14="http://schemas.microsoft.com/office/drawing/2010/main">
+        <mc:Choice Requires="a14">
           <p:sp>
             <p:nvSpPr>
               <p:cNvPr id="28" name="TextBox 27">
@@ -9166,7 +10037,7 @@
             </p:txBody>
           </p:sp>
         </mc:Choice>
-        <mc:Fallback>
+        <mc:Fallback xmlns="">
           <p:sp>
             <p:nvSpPr>
               <p:cNvPr id="28" name="TextBox 27">
@@ -9216,8 +10087,8 @@
           </p:sp>
         </mc:Fallback>
       </mc:AlternateContent>
-      <mc:AlternateContent xmlns:mc="http://schemas.openxmlformats.org/markup-compatibility/2006">
-        <mc:Choice xmlns:a14="http://schemas.microsoft.com/office/drawing/2010/main" Requires="a14">
+      <mc:AlternateContent xmlns:mc="http://schemas.openxmlformats.org/markup-compatibility/2006" xmlns:a14="http://schemas.microsoft.com/office/drawing/2010/main">
+        <mc:Choice Requires="a14">
           <p:sp>
             <p:nvSpPr>
               <p:cNvPr id="29" name="TextBox 28">
@@ -9303,7 +10174,7 @@
             </p:txBody>
           </p:sp>
         </mc:Choice>
-        <mc:Fallback>
+        <mc:Fallback xmlns="">
           <p:sp>
             <p:nvSpPr>
               <p:cNvPr id="29" name="TextBox 28">
@@ -9348,8 +10219,8 @@
           </p:sp>
         </mc:Fallback>
       </mc:AlternateContent>
-      <mc:AlternateContent xmlns:mc="http://schemas.openxmlformats.org/markup-compatibility/2006">
-        <mc:Choice xmlns:a14="http://schemas.microsoft.com/office/drawing/2010/main" Requires="a14">
+      <mc:AlternateContent xmlns:mc="http://schemas.openxmlformats.org/markup-compatibility/2006" xmlns:a14="http://schemas.microsoft.com/office/drawing/2010/main">
+        <mc:Choice Requires="a14">
           <p:sp>
             <p:nvSpPr>
               <p:cNvPr id="32" name="TextBox 31">
@@ -9441,7 +10312,7 @@
             </p:txBody>
           </p:sp>
         </mc:Choice>
-        <mc:Fallback>
+        <mc:Fallback xmlns="">
           <p:sp>
             <p:nvSpPr>
               <p:cNvPr id="32" name="TextBox 31">
@@ -9486,8 +10357,8 @@
           </p:sp>
         </mc:Fallback>
       </mc:AlternateContent>
-      <mc:AlternateContent xmlns:mc="http://schemas.openxmlformats.org/markup-compatibility/2006">
-        <mc:Choice xmlns:a14="http://schemas.microsoft.com/office/drawing/2010/main" Requires="a14">
+      <mc:AlternateContent xmlns:mc="http://schemas.openxmlformats.org/markup-compatibility/2006" xmlns:a14="http://schemas.microsoft.com/office/drawing/2010/main">
+        <mc:Choice Requires="a14">
           <p:sp>
             <p:nvSpPr>
               <p:cNvPr id="36" name="TextBox 35">
@@ -9873,7 +10744,7 @@
             </p:txBody>
           </p:sp>
         </mc:Choice>
-        <mc:Fallback>
+        <mc:Fallback xmlns="">
           <p:sp>
             <p:nvSpPr>
               <p:cNvPr id="36" name="TextBox 35">
@@ -10035,8 +10906,8 @@
           </a:prstGeom>
         </p:spPr>
       </p:pic>
-      <mc:AlternateContent xmlns:mc="http://schemas.openxmlformats.org/markup-compatibility/2006">
-        <mc:Choice xmlns:a14="http://schemas.microsoft.com/office/drawing/2010/main" Requires="a14">
+      <mc:AlternateContent xmlns:mc="http://schemas.openxmlformats.org/markup-compatibility/2006" xmlns:a14="http://schemas.microsoft.com/office/drawing/2010/main">
+        <mc:Choice Requires="a14">
           <p:sp>
             <p:nvSpPr>
               <p:cNvPr id="7" name="TextBox 6">
@@ -10173,7 +11044,7 @@
             </p:txBody>
           </p:sp>
         </mc:Choice>
-        <mc:Fallback>
+        <mc:Fallback xmlns="">
           <p:sp>
             <p:nvSpPr>
               <p:cNvPr id="7" name="TextBox 6">
@@ -10311,8 +11182,8 @@
           </a:p>
         </p:txBody>
       </p:sp>
-      <mc:AlternateContent xmlns:mc="http://schemas.openxmlformats.org/markup-compatibility/2006">
-        <mc:Choice xmlns:a14="http://schemas.microsoft.com/office/drawing/2010/main" Requires="a14">
+      <mc:AlternateContent xmlns:mc="http://schemas.openxmlformats.org/markup-compatibility/2006" xmlns:a14="http://schemas.microsoft.com/office/drawing/2010/main">
+        <mc:Choice Requires="a14">
           <p:sp>
             <p:nvSpPr>
               <p:cNvPr id="3" name="Content Placeholder 2">
@@ -10592,7 +11463,7 @@
             </p:txBody>
           </p:sp>
         </mc:Choice>
-        <mc:Fallback>
+        <mc:Fallback xmlns="">
           <p:sp>
             <p:nvSpPr>
               <p:cNvPr id="3" name="Content Placeholder 2">
@@ -10954,8 +11825,8 @@
           </a:fontRef>
         </p:style>
       </p:cxnSp>
-      <mc:AlternateContent xmlns:mc="http://schemas.openxmlformats.org/markup-compatibility/2006">
-        <mc:Choice xmlns:a14="http://schemas.microsoft.com/office/drawing/2010/main" Requires="a14">
+      <mc:AlternateContent xmlns:mc="http://schemas.openxmlformats.org/markup-compatibility/2006" xmlns:a14="http://schemas.microsoft.com/office/drawing/2010/main">
+        <mc:Choice Requires="a14">
           <p:sp>
             <p:nvSpPr>
               <p:cNvPr id="10" name="TextBox 9">
@@ -11006,7 +11877,7 @@
             </p:txBody>
           </p:sp>
         </mc:Choice>
-        <mc:Fallback>
+        <mc:Fallback xmlns="">
           <p:sp>
             <p:nvSpPr>
               <p:cNvPr id="10" name="TextBox 9">
@@ -11098,8 +11969,8 @@
           </a:p>
         </p:txBody>
       </p:sp>
-      <mc:AlternateContent xmlns:mc="http://schemas.openxmlformats.org/markup-compatibility/2006">
-        <mc:Choice xmlns:a14="http://schemas.microsoft.com/office/drawing/2010/main" Requires="a14">
+      <mc:AlternateContent xmlns:mc="http://schemas.openxmlformats.org/markup-compatibility/2006" xmlns:a14="http://schemas.microsoft.com/office/drawing/2010/main">
+        <mc:Choice Requires="a14">
           <p:sp>
             <p:nvSpPr>
               <p:cNvPr id="12" name="TextBox 11">
@@ -11149,7 +12020,7 @@
             </p:txBody>
           </p:sp>
         </mc:Choice>
-        <mc:Fallback>
+        <mc:Fallback xmlns="">
           <p:sp>
             <p:nvSpPr>
               <p:cNvPr id="12" name="TextBox 11">
@@ -11241,8 +12112,8 @@
           </a:p>
         </p:txBody>
       </p:sp>
-      <mc:AlternateContent xmlns:mc="http://schemas.openxmlformats.org/markup-compatibility/2006">
-        <mc:Choice xmlns:a14="http://schemas.microsoft.com/office/drawing/2010/main" Requires="a14">
+      <mc:AlternateContent xmlns:mc="http://schemas.openxmlformats.org/markup-compatibility/2006" xmlns:a14="http://schemas.microsoft.com/office/drawing/2010/main">
+        <mc:Choice Requires="a14">
           <p:sp>
             <p:nvSpPr>
               <p:cNvPr id="14" name="TextBox 13">
@@ -11292,7 +12163,7 @@
             </p:txBody>
           </p:sp>
         </mc:Choice>
-        <mc:Fallback>
+        <mc:Fallback xmlns="">
           <p:sp>
             <p:nvSpPr>
               <p:cNvPr id="14" name="TextBox 13">
@@ -11387,8 +12258,8 @@
           </a:p>
         </p:txBody>
       </p:sp>
-      <mc:AlternateContent xmlns:mc="http://schemas.openxmlformats.org/markup-compatibility/2006">
-        <mc:Choice xmlns:a14="http://schemas.microsoft.com/office/drawing/2010/main" Requires="a14">
+      <mc:AlternateContent xmlns:mc="http://schemas.openxmlformats.org/markup-compatibility/2006" xmlns:a14="http://schemas.microsoft.com/office/drawing/2010/main">
+        <mc:Choice Requires="a14">
           <p:sp>
             <p:nvSpPr>
               <p:cNvPr id="16" name="Content Placeholder 2">
@@ -12267,7 +13138,7 @@
             </p:txBody>
           </p:sp>
         </mc:Choice>
-        <mc:Fallback>
+        <mc:Fallback xmlns="">
           <p:sp>
             <p:nvSpPr>
               <p:cNvPr id="16" name="Content Placeholder 2">
@@ -12563,8 +13434,8 @@
           </a:p>
         </p:txBody>
       </p:sp>
-      <mc:AlternateContent xmlns:mc="http://schemas.openxmlformats.org/markup-compatibility/2006">
-        <mc:Choice xmlns:a14="http://schemas.microsoft.com/office/drawing/2010/main" Requires="a14">
+      <mc:AlternateContent xmlns:mc="http://schemas.openxmlformats.org/markup-compatibility/2006" xmlns:a14="http://schemas.microsoft.com/office/drawing/2010/main">
+        <mc:Choice Requires="a14">
           <p:sp>
             <p:nvSpPr>
               <p:cNvPr id="8" name="TextBox 7">
@@ -12615,7 +13486,7 @@
             </p:txBody>
           </p:sp>
         </mc:Choice>
-        <mc:Fallback>
+        <mc:Fallback xmlns="">
           <p:sp>
             <p:nvSpPr>
               <p:cNvPr id="8" name="TextBox 7">
@@ -12823,8 +13694,8 @@
           </a:p>
         </p:txBody>
       </p:sp>
-      <mc:AlternateContent xmlns:mc="http://schemas.openxmlformats.org/markup-compatibility/2006">
-        <mc:Choice xmlns:a14="http://schemas.microsoft.com/office/drawing/2010/main" Requires="a14">
+      <mc:AlternateContent xmlns:mc="http://schemas.openxmlformats.org/markup-compatibility/2006" xmlns:a14="http://schemas.microsoft.com/office/drawing/2010/main">
+        <mc:Choice Requires="a14">
           <p:sp>
             <p:nvSpPr>
               <p:cNvPr id="3" name="Content Placeholder 2">
@@ -12860,7 +13731,7 @@
                     <m:sSub>
                       <m:sSubPr>
                         <m:ctrlPr>
-                          <a:rPr lang="en-US" b="0" i="0" dirty="0" smtClean="0">
+                          <a:rPr lang="en-US" b="0" i="1" dirty="0" smtClean="0">
                             <a:latin typeface="Cambria Math" panose="02040503050406030204" pitchFamily="18" charset="0"/>
                           </a:rPr>
                         </m:ctrlPr>
@@ -12926,7 +13797,7 @@
             </p:txBody>
           </p:sp>
         </mc:Choice>
-        <mc:Fallback>
+        <mc:Fallback xmlns="">
           <p:sp>
             <p:nvSpPr>
               <p:cNvPr id="3" name="Content Placeholder 2">
